--- a/docs/ds.pptx
+++ b/docs/ds.pptx
@@ -120,6 +120,11 @@
       </a:defRPr>
     </a:lvl9pPr>
   </p:defaultTextStyle>
+  <p:extLst>
+    <p:ext uri="{EFAFB233-063F-42B5-8137-9DF3F51BA10A}">
+      <p15:sldGuideLst xmlns:p15="http://schemas.microsoft.com/office/powerpoint/2012/main"/>
+    </p:ext>
+  </p:extLst>
 </p:presentation>
 </file>
 
@@ -314,7 +319,7 @@
           <a:p>
             <a:fld id="{6B8590F7-2935-46ED-BCFD-A57B97D74AE8}" type="datetimeFigureOut">
               <a:rPr lang="es-ES" smtClean="0"/>
-              <a:t>29/11/2023</a:t>
+              <a:t>30/11/2023</a:t>
             </a:fld>
             <a:endParaRPr lang="es-ES"/>
           </a:p>
@@ -750,7 +755,7 @@
           <a:p>
             <a:fld id="{6B8590F7-2935-46ED-BCFD-A57B97D74AE8}" type="datetimeFigureOut">
               <a:rPr lang="es-ES" smtClean="0"/>
-              <a:t>29/11/2023</a:t>
+              <a:t>30/11/2023</a:t>
             </a:fld>
             <a:endParaRPr lang="es-ES"/>
           </a:p>
@@ -1000,7 +1005,7 @@
           <a:p>
             <a:fld id="{6B8590F7-2935-46ED-BCFD-A57B97D74AE8}" type="datetimeFigureOut">
               <a:rPr lang="es-ES" smtClean="0"/>
-              <a:t>29/11/2023</a:t>
+              <a:t>30/11/2023</a:t>
             </a:fld>
             <a:endParaRPr lang="es-ES"/>
           </a:p>
@@ -1308,7 +1313,7 @@
           <a:p>
             <a:fld id="{6B8590F7-2935-46ED-BCFD-A57B97D74AE8}" type="datetimeFigureOut">
               <a:rPr lang="es-ES" smtClean="0"/>
-              <a:t>29/11/2023</a:t>
+              <a:t>30/11/2023</a:t>
             </a:fld>
             <a:endParaRPr lang="es-ES"/>
           </a:p>
@@ -1626,7 +1631,7 @@
           <a:p>
             <a:fld id="{6B8590F7-2935-46ED-BCFD-A57B97D74AE8}" type="datetimeFigureOut">
               <a:rPr lang="es-ES" smtClean="0"/>
-              <a:t>29/11/2023</a:t>
+              <a:t>30/11/2023</a:t>
             </a:fld>
             <a:endParaRPr lang="es-ES"/>
           </a:p>
@@ -1928,7 +1933,7 @@
           <a:p>
             <a:fld id="{6B8590F7-2935-46ED-BCFD-A57B97D74AE8}" type="datetimeFigureOut">
               <a:rPr lang="es-ES" smtClean="0"/>
-              <a:t>29/11/2023</a:t>
+              <a:t>30/11/2023</a:t>
             </a:fld>
             <a:endParaRPr lang="es-ES"/>
           </a:p>
@@ -2295,7 +2300,7 @@
           <a:p>
             <a:fld id="{6B8590F7-2935-46ED-BCFD-A57B97D74AE8}" type="datetimeFigureOut">
               <a:rPr lang="es-ES" smtClean="0"/>
-              <a:t>29/11/2023</a:t>
+              <a:t>30/11/2023</a:t>
             </a:fld>
             <a:endParaRPr lang="es-ES"/>
           </a:p>
@@ -2469,7 +2474,7 @@
           <a:p>
             <a:fld id="{6B8590F7-2935-46ED-BCFD-A57B97D74AE8}" type="datetimeFigureOut">
               <a:rPr lang="es-ES" smtClean="0"/>
-              <a:t>29/11/2023</a:t>
+              <a:t>30/11/2023</a:t>
             </a:fld>
             <a:endParaRPr lang="es-ES"/>
           </a:p>
@@ -2649,7 +2654,7 @@
           <a:p>
             <a:fld id="{6B8590F7-2935-46ED-BCFD-A57B97D74AE8}" type="datetimeFigureOut">
               <a:rPr lang="es-ES" smtClean="0"/>
-              <a:t>29/11/2023</a:t>
+              <a:t>30/11/2023</a:t>
             </a:fld>
             <a:endParaRPr lang="es-ES"/>
           </a:p>
@@ -2819,7 +2824,7 @@
           <a:p>
             <a:fld id="{6B8590F7-2935-46ED-BCFD-A57B97D74AE8}" type="datetimeFigureOut">
               <a:rPr lang="es-ES" smtClean="0"/>
-              <a:t>29/11/2023</a:t>
+              <a:t>30/11/2023</a:t>
             </a:fld>
             <a:endParaRPr lang="es-ES"/>
           </a:p>
@@ -3069,7 +3074,7 @@
           <a:p>
             <a:fld id="{6B8590F7-2935-46ED-BCFD-A57B97D74AE8}" type="datetimeFigureOut">
               <a:rPr lang="es-ES" smtClean="0"/>
-              <a:t>29/11/2023</a:t>
+              <a:t>30/11/2023</a:t>
             </a:fld>
             <a:endParaRPr lang="es-ES"/>
           </a:p>
@@ -3305,7 +3310,7 @@
           <a:p>
             <a:fld id="{6B8590F7-2935-46ED-BCFD-A57B97D74AE8}" type="datetimeFigureOut">
               <a:rPr lang="es-ES" smtClean="0"/>
-              <a:t>29/11/2023</a:t>
+              <a:t>30/11/2023</a:t>
             </a:fld>
             <a:endParaRPr lang="es-ES"/>
           </a:p>
@@ -3687,7 +3692,7 @@
           <a:p>
             <a:fld id="{6B8590F7-2935-46ED-BCFD-A57B97D74AE8}" type="datetimeFigureOut">
               <a:rPr lang="es-ES" smtClean="0"/>
-              <a:t>29/11/2023</a:t>
+              <a:t>30/11/2023</a:t>
             </a:fld>
             <a:endParaRPr lang="es-ES"/>
           </a:p>
@@ -3805,7 +3810,7 @@
           <a:p>
             <a:fld id="{6B8590F7-2935-46ED-BCFD-A57B97D74AE8}" type="datetimeFigureOut">
               <a:rPr lang="es-ES" smtClean="0"/>
-              <a:t>29/11/2023</a:t>
+              <a:t>30/11/2023</a:t>
             </a:fld>
             <a:endParaRPr lang="es-ES"/>
           </a:p>
@@ -3900,7 +3905,7 @@
           <a:p>
             <a:fld id="{6B8590F7-2935-46ED-BCFD-A57B97D74AE8}" type="datetimeFigureOut">
               <a:rPr lang="es-ES" smtClean="0"/>
-              <a:t>29/11/2023</a:t>
+              <a:t>30/11/2023</a:t>
             </a:fld>
             <a:endParaRPr lang="es-ES"/>
           </a:p>
@@ -4155,7 +4160,7 @@
           <a:p>
             <a:fld id="{6B8590F7-2935-46ED-BCFD-A57B97D74AE8}" type="datetimeFigureOut">
               <a:rPr lang="es-ES" smtClean="0"/>
-              <a:t>29/11/2023</a:t>
+              <a:t>30/11/2023</a:t>
             </a:fld>
             <a:endParaRPr lang="es-ES"/>
           </a:p>
@@ -4438,7 +4443,7 @@
           <a:p>
             <a:fld id="{6B8590F7-2935-46ED-BCFD-A57B97D74AE8}" type="datetimeFigureOut">
               <a:rPr lang="es-ES" smtClean="0"/>
-              <a:t>29/11/2023</a:t>
+              <a:t>30/11/2023</a:t>
             </a:fld>
             <a:endParaRPr lang="es-ES"/>
           </a:p>
@@ -4844,7 +4849,7 @@
           <a:p>
             <a:fld id="{6B8590F7-2935-46ED-BCFD-A57B97D74AE8}" type="datetimeFigureOut">
               <a:rPr lang="es-ES" smtClean="0"/>
-              <a:t>29/11/2023</a:t>
+              <a:t>30/11/2023</a:t>
             </a:fld>
             <a:endParaRPr lang="es-ES"/>
           </a:p>
@@ -5379,117 +5384,6 @@
           <a:chExt cx="0" cy="0"/>
         </a:xfrm>
       </p:grpSpPr>
-      <p:sp>
-        <p:nvSpPr>
-          <p:cNvPr id="3" name="Subtítulo 2">
-            <a:extLst>
-              <a:ext uri="{FF2B5EF4-FFF2-40B4-BE49-F238E27FC236}">
-                <a16:creationId xmlns:a16="http://schemas.microsoft.com/office/drawing/2014/main" id="{90F4E1F1-4A5E-4BE6-824E-7518A657AB22}"/>
-              </a:ext>
-            </a:extLst>
-          </p:cNvPr>
-          <p:cNvSpPr>
-            <a:spLocks noGrp="1"/>
-          </p:cNvSpPr>
-          <p:nvPr>
-            <p:ph type="subTitle" idx="1"/>
-          </p:nvPr>
-        </p:nvSpPr>
-        <p:spPr>
-          <a:xfrm>
-            <a:off x="74611" y="4275667"/>
-            <a:ext cx="8324321" cy="2387599"/>
-          </a:xfrm>
-        </p:spPr>
-        <p:txBody>
-          <a:bodyPr>
-            <a:normAutofit fontScale="92500" lnSpcReduction="20000"/>
-          </a:bodyPr>
-          <a:lstStyle/>
-          <a:p>
-            <a:r>
-              <a:rPr lang="es-ES" sz="4300" b="1" dirty="0">
-                <a:solidFill>
-                  <a:schemeClr val="accent1"/>
-                </a:solidFill>
-                <a:effectLst/>
-                <a:latin typeface="Consolas" panose="020B0609020204030204" pitchFamily="49" charset="0"/>
-              </a:rPr>
-              <a:t>Introducción</a:t>
-            </a:r>
-            <a:endParaRPr lang="es-ES" sz="4300" b="0" dirty="0">
-              <a:solidFill>
-                <a:schemeClr val="accent1"/>
-              </a:solidFill>
-              <a:effectLst/>
-              <a:latin typeface="Consolas" panose="020B0609020204030204" pitchFamily="49" charset="0"/>
-            </a:endParaRPr>
-          </a:p>
-          <a:p>
-            <a:br>
-              <a:rPr lang="es-ES" b="0" dirty="0">
-                <a:solidFill>
-                  <a:schemeClr val="bg1"/>
-                </a:solidFill>
-                <a:effectLst/>
-                <a:latin typeface="Consolas" panose="020B0609020204030204" pitchFamily="49" charset="0"/>
-              </a:rPr>
-            </a:br>
-            <a:r>
-              <a:rPr lang="es-ES" sz="2400" b="0" dirty="0">
-                <a:solidFill>
-                  <a:schemeClr val="bg1"/>
-                </a:solidFill>
-                <a:effectLst/>
-                <a:latin typeface="Consolas" panose="020B0609020204030204" pitchFamily="49" charset="0"/>
-              </a:rPr>
-              <a:t>En este proyecto, vamos a intentar predecir mediante un modelo de machine </a:t>
-            </a:r>
-            <a:r>
-              <a:rPr lang="es-ES" sz="2400" b="0" dirty="0" err="1">
-                <a:solidFill>
-                  <a:schemeClr val="bg1"/>
-                </a:solidFill>
-                <a:effectLst/>
-                <a:latin typeface="Consolas" panose="020B0609020204030204" pitchFamily="49" charset="0"/>
-              </a:rPr>
-              <a:t>learning</a:t>
-            </a:r>
-            <a:r>
-              <a:rPr lang="es-ES" sz="2400" b="0" dirty="0">
-                <a:solidFill>
-                  <a:schemeClr val="bg1"/>
-                </a:solidFill>
-                <a:effectLst/>
-                <a:latin typeface="Consolas" panose="020B0609020204030204" pitchFamily="49" charset="0"/>
-              </a:rPr>
-              <a:t>, el precio de alquiler o de venta de una vivienda, en el </a:t>
-            </a:r>
-            <a:r>
-              <a:rPr lang="es-ES" sz="2400" dirty="0">
-                <a:solidFill>
-                  <a:schemeClr val="bg1"/>
-                </a:solidFill>
-                <a:latin typeface="Consolas" panose="020B0609020204030204" pitchFamily="49" charset="0"/>
-              </a:rPr>
-              <a:t>á</a:t>
-            </a:r>
-            <a:r>
-              <a:rPr lang="es-ES" sz="2400" b="0" dirty="0">
-                <a:solidFill>
-                  <a:schemeClr val="bg1"/>
-                </a:solidFill>
-                <a:effectLst/>
-                <a:latin typeface="Consolas" panose="020B0609020204030204" pitchFamily="49" charset="0"/>
-              </a:rPr>
-              <a:t>rea metropolitana de Sevilla, según las características de la vivienda.</a:t>
-            </a:r>
-          </a:p>
-          <a:p>
-            <a:endParaRPr lang="es-ES" dirty="0"/>
-          </a:p>
-        </p:txBody>
-      </p:sp>
       <p:pic>
         <p:nvPicPr>
           <p:cNvPr id="5" name="Imagen 4">
@@ -5584,6 +5478,219 @@
               </a:rPr>
             </a:br>
             <a:endParaRPr lang="es-ES" sz="3600" dirty="0"/>
+          </a:p>
+        </p:txBody>
+      </p:sp>
+      <p:sp>
+        <p:nvSpPr>
+          <p:cNvPr id="3" name="Subtítulo 2">
+            <a:extLst>
+              <a:ext uri="{FF2B5EF4-FFF2-40B4-BE49-F238E27FC236}">
+                <a16:creationId xmlns:a16="http://schemas.microsoft.com/office/drawing/2014/main" id="{90F4E1F1-4A5E-4BE6-824E-7518A657AB22}"/>
+              </a:ext>
+            </a:extLst>
+          </p:cNvPr>
+          <p:cNvSpPr>
+            <a:spLocks noGrp="1"/>
+          </p:cNvSpPr>
+          <p:nvPr>
+            <p:ph type="subTitle" idx="1"/>
+          </p:nvPr>
+        </p:nvSpPr>
+        <p:spPr>
+          <a:xfrm>
+            <a:off x="160866" y="2582333"/>
+            <a:ext cx="8324321" cy="4021667"/>
+          </a:xfrm>
+        </p:spPr>
+        <p:txBody>
+          <a:bodyPr>
+            <a:normAutofit fontScale="77500" lnSpcReduction="20000"/>
+          </a:bodyPr>
+          <a:lstStyle/>
+          <a:p>
+            <a:r>
+              <a:rPr lang="es-ES" sz="4300" b="1" dirty="0">
+                <a:solidFill>
+                  <a:schemeClr val="accent1"/>
+                </a:solidFill>
+                <a:effectLst/>
+                <a:latin typeface="Consolas" panose="020B0609020204030204" pitchFamily="49" charset="0"/>
+              </a:rPr>
+              <a:t>Introducción</a:t>
+            </a:r>
+            <a:endParaRPr lang="es-ES" sz="4300" b="0" dirty="0">
+              <a:solidFill>
+                <a:schemeClr val="accent1"/>
+              </a:solidFill>
+              <a:effectLst/>
+              <a:latin typeface="Consolas" panose="020B0609020204030204" pitchFamily="49" charset="0"/>
+            </a:endParaRPr>
+          </a:p>
+          <a:p>
+            <a:br>
+              <a:rPr lang="es-ES" sz="1900" b="0" dirty="0">
+                <a:solidFill>
+                  <a:schemeClr val="bg1"/>
+                </a:solidFill>
+                <a:effectLst/>
+                <a:latin typeface="Consolas" panose="020B0609020204030204" pitchFamily="49" charset="0"/>
+              </a:rPr>
+            </a:br>
+            <a:r>
+              <a:rPr lang="es-ES" sz="2600" b="0" dirty="0">
+                <a:solidFill>
+                  <a:schemeClr val="bg1"/>
+                </a:solidFill>
+                <a:effectLst/>
+                <a:latin typeface="Consolas" panose="020B0609020204030204" pitchFamily="49" charset="0"/>
+              </a:rPr>
+              <a:t>En este proyecto, vamos a intentar predecir mediante un modelo de machine </a:t>
+            </a:r>
+            <a:r>
+              <a:rPr lang="es-ES" sz="2600" b="0" dirty="0" err="1">
+                <a:solidFill>
+                  <a:schemeClr val="bg1"/>
+                </a:solidFill>
+                <a:effectLst/>
+                <a:latin typeface="Consolas" panose="020B0609020204030204" pitchFamily="49" charset="0"/>
+              </a:rPr>
+              <a:t>learning</a:t>
+            </a:r>
+            <a:r>
+              <a:rPr lang="es-ES" sz="2600" b="0" dirty="0">
+                <a:solidFill>
+                  <a:schemeClr val="bg1"/>
+                </a:solidFill>
+                <a:effectLst/>
+                <a:latin typeface="Consolas" panose="020B0609020204030204" pitchFamily="49" charset="0"/>
+              </a:rPr>
+              <a:t>, el precio de alquiler o de venta de una vivienda, en el </a:t>
+            </a:r>
+            <a:r>
+              <a:rPr lang="es-ES" sz="2600" dirty="0">
+                <a:solidFill>
+                  <a:schemeClr val="bg1"/>
+                </a:solidFill>
+                <a:latin typeface="Consolas" panose="020B0609020204030204" pitchFamily="49" charset="0"/>
+              </a:rPr>
+              <a:t>á</a:t>
+            </a:r>
+            <a:r>
+              <a:rPr lang="es-ES" sz="2600" b="0" dirty="0">
+                <a:solidFill>
+                  <a:schemeClr val="bg1"/>
+                </a:solidFill>
+                <a:effectLst/>
+                <a:latin typeface="Consolas" panose="020B0609020204030204" pitchFamily="49" charset="0"/>
+              </a:rPr>
+              <a:t>rea metropolitana de Sevilla, según las características de la vivienda. Los puntos que veremos en esta presentación son:</a:t>
+            </a:r>
+          </a:p>
+          <a:p>
+            <a:endParaRPr lang="es-ES" sz="2600" b="0" dirty="0">
+              <a:solidFill>
+                <a:schemeClr val="bg1"/>
+              </a:solidFill>
+              <a:effectLst/>
+              <a:latin typeface="Consolas" panose="020B0609020204030204" pitchFamily="49" charset="0"/>
+            </a:endParaRPr>
+          </a:p>
+          <a:p>
+            <a:pPr marL="342900" indent="-342900">
+              <a:buFontTx/>
+              <a:buChar char="-"/>
+            </a:pPr>
+            <a:r>
+              <a:rPr lang="es-ES" sz="2600" dirty="0">
+                <a:solidFill>
+                  <a:schemeClr val="bg1"/>
+                </a:solidFill>
+                <a:latin typeface="Consolas" panose="020B0609020204030204" pitchFamily="49" charset="0"/>
+              </a:rPr>
+              <a:t>Estudio y tratamiento de </a:t>
+            </a:r>
+            <a:r>
+              <a:rPr lang="es-ES" sz="2600" dirty="0" err="1">
+                <a:solidFill>
+                  <a:schemeClr val="bg1"/>
+                </a:solidFill>
+                <a:latin typeface="Consolas" panose="020B0609020204030204" pitchFamily="49" charset="0"/>
+              </a:rPr>
+              <a:t>dataframe</a:t>
+            </a:r>
+            <a:endParaRPr lang="es-ES" sz="2600" dirty="0">
+              <a:solidFill>
+                <a:schemeClr val="bg1"/>
+              </a:solidFill>
+              <a:latin typeface="Consolas" panose="020B0609020204030204" pitchFamily="49" charset="0"/>
+            </a:endParaRPr>
+          </a:p>
+          <a:p>
+            <a:pPr marL="342900" indent="-342900">
+              <a:buFontTx/>
+              <a:buChar char="-"/>
+            </a:pPr>
+            <a:r>
+              <a:rPr lang="es-ES" sz="2600" b="0" dirty="0">
+                <a:solidFill>
+                  <a:schemeClr val="bg1"/>
+                </a:solidFill>
+                <a:effectLst/>
+                <a:latin typeface="Consolas" panose="020B0609020204030204" pitchFamily="49" charset="0"/>
+              </a:rPr>
+              <a:t>Evaluación de modelos</a:t>
+            </a:r>
+          </a:p>
+          <a:p>
+            <a:pPr marL="342900" indent="-342900">
+              <a:buFontTx/>
+              <a:buChar char="-"/>
+            </a:pPr>
+            <a:r>
+              <a:rPr lang="es-ES" sz="2600" dirty="0">
+                <a:solidFill>
+                  <a:schemeClr val="bg1"/>
+                </a:solidFill>
+                <a:latin typeface="Consolas" panose="020B0609020204030204" pitchFamily="49" charset="0"/>
+              </a:rPr>
+              <a:t>Análisis de predicciones</a:t>
+            </a:r>
+          </a:p>
+          <a:p>
+            <a:pPr marL="342900" indent="-342900">
+              <a:buFontTx/>
+              <a:buChar char="-"/>
+            </a:pPr>
+            <a:r>
+              <a:rPr lang="es-ES" sz="2600" b="0" dirty="0">
+                <a:solidFill>
+                  <a:schemeClr val="bg1"/>
+                </a:solidFill>
+                <a:effectLst/>
+                <a:latin typeface="Consolas" panose="020B0609020204030204" pitchFamily="49" charset="0"/>
+              </a:rPr>
+              <a:t>E</a:t>
+            </a:r>
+            <a:r>
+              <a:rPr lang="es-ES" sz="2600" dirty="0">
+                <a:solidFill>
+                  <a:schemeClr val="bg1"/>
+                </a:solidFill>
+                <a:latin typeface="Consolas" panose="020B0609020204030204" pitchFamily="49" charset="0"/>
+              </a:rPr>
+              <a:t>xtras</a:t>
+            </a:r>
+            <a:endParaRPr lang="es-ES" sz="2600" b="0" dirty="0">
+              <a:solidFill>
+                <a:schemeClr val="bg1"/>
+              </a:solidFill>
+              <a:effectLst/>
+              <a:latin typeface="Consolas" panose="020B0609020204030204" pitchFamily="49" charset="0"/>
+            </a:endParaRPr>
+          </a:p>
+          <a:p>
+            <a:endParaRPr lang="es-ES" dirty="0"/>
           </a:p>
         </p:txBody>
       </p:sp>
@@ -6156,7 +6263,7 @@
                 <a:effectLst/>
                 <a:latin typeface="Consolas" panose="020B0609020204030204" pitchFamily="49" charset="0"/>
               </a:rPr>
-              <a:t>Evaluación del modelo</a:t>
+              <a:t>Evaluación del modelos</a:t>
             </a:r>
             <a:endParaRPr lang="es-ES" sz="3600" b="0" dirty="0">
               <a:solidFill>
@@ -7134,12 +7241,12 @@
         <p:spPr>
           <a:xfrm>
             <a:off x="286278" y="76200"/>
-            <a:ext cx="5894389" cy="846667"/>
+            <a:ext cx="6436255" cy="846667"/>
           </a:xfrm>
         </p:spPr>
         <p:txBody>
           <a:bodyPr>
-            <a:normAutofit fontScale="92500"/>
+            <a:noAutofit/>
           </a:bodyPr>
           <a:lstStyle/>
           <a:p>
@@ -7147,11 +7254,10 @@
               <a:buNone/>
             </a:pPr>
             <a:r>
-              <a:rPr lang="es-ES" sz="3600" b="0" dirty="0">
+              <a:rPr lang="es-ES" sz="3600" b="1" dirty="0">
                 <a:solidFill>
                   <a:schemeClr val="bg1"/>
                 </a:solidFill>
-                <a:effectLst/>
                 <a:latin typeface="Consolas" panose="020B0609020204030204" pitchFamily="49" charset="0"/>
               </a:rPr>
               <a:t>Análisis de predicciones</a:t>
@@ -11398,11 +11504,10 @@
               <a:buNone/>
             </a:pPr>
             <a:r>
-              <a:rPr lang="es-ES" sz="3600" b="0" dirty="0">
+              <a:rPr lang="es-ES" sz="3600" b="1" dirty="0">
                 <a:solidFill>
                   <a:schemeClr val="bg1"/>
                 </a:solidFill>
-                <a:effectLst/>
                 <a:latin typeface="Consolas" panose="020B0609020204030204" pitchFamily="49" charset="0"/>
               </a:rPr>
               <a:t>Extras</a:t>
@@ -11567,7 +11672,26 @@
                 <a:effectLst/>
                 <a:latin typeface="Consolas" panose="020B0609020204030204" pitchFamily="49" charset="0"/>
               </a:rPr>
-              <a:t> y se les calcula la media de precio a cada uno. Esta media será nuestra predicción.</a:t>
+              <a:t> y se les calcula la media de precio a cada uno</a:t>
+            </a:r>
+            <a:r>
+              <a:rPr lang="es-ES" sz="1600" dirty="0">
+                <a:solidFill>
+                  <a:schemeClr val="bg1"/>
+                </a:solidFill>
+                <a:latin typeface="Consolas" panose="020B0609020204030204" pitchFamily="49" charset="0"/>
+              </a:rPr>
+              <a:t> y e</a:t>
+            </a:r>
+            <a:r>
+              <a:rPr lang="es-ES" sz="1600" b="0" dirty="0">
+                <a:solidFill>
+                  <a:schemeClr val="bg1"/>
+                </a:solidFill>
+                <a:effectLst/>
+                <a:latin typeface="Consolas" panose="020B0609020204030204" pitchFamily="49" charset="0"/>
+              </a:rPr>
+              <a:t>sta media será nuestra predicción.</a:t>
             </a:r>
           </a:p>
           <a:p>
@@ -11587,17 +11711,17 @@
                 <a:effectLst/>
                 <a:latin typeface="Consolas" panose="020B0609020204030204" pitchFamily="49" charset="0"/>
               </a:rPr>
-              <a:t>Aún sin entrenar con los </a:t>
-            </a:r>
-            <a:r>
-              <a:rPr lang="es-ES" sz="1600" b="0" dirty="0" err="1">
+              <a:t>Aún sin entrenar </a:t>
+            </a:r>
+            <a:r>
+              <a:rPr lang="es-ES" sz="1600" b="0">
                 <a:solidFill>
                   <a:schemeClr val="bg1"/>
                 </a:solidFill>
                 <a:effectLst/>
                 <a:latin typeface="Consolas" panose="020B0609020204030204" pitchFamily="49" charset="0"/>
               </a:rPr>
-              <a:t>los</a:t>
+              <a:t>con los </a:t>
             </a:r>
             <a:r>
               <a:rPr lang="es-ES" sz="1600" b="0" dirty="0">
@@ -11607,7 +11731,7 @@
                 <a:effectLst/>
                 <a:latin typeface="Consolas" panose="020B0609020204030204" pitchFamily="49" charset="0"/>
               </a:rPr>
-              <a:t> precios como target,  los resultados de la evaluación, con el 15 por ciento de la </a:t>
+              <a:t>precios como target,  los resultados de la evaluación, con el 15 por ciento de la </a:t>
             </a:r>
             <a:r>
               <a:rPr lang="es-ES" sz="1600" b="0" dirty="0" err="1">
@@ -11859,7 +11983,7 @@
         <p:spPr>
           <a:xfrm>
             <a:off x="472598" y="1989667"/>
-            <a:ext cx="9839802" cy="5170646"/>
+            <a:ext cx="9839802" cy="3693319"/>
           </a:xfrm>
           <a:prstGeom prst="rect">
             <a:avLst/>
@@ -11992,82 +12116,6 @@
               </a:rPr>
               <a:t>Análisis</a:t>
             </a:r>
-          </a:p>
-          <a:p>
-            <a:pPr marL="457200" indent="-457200">
-              <a:buFontTx/>
-              <a:buAutoNum type="arabicPeriod"/>
-            </a:pPr>
-            <a:r>
-              <a:rPr lang="es-ES" sz="2400" dirty="0">
-                <a:solidFill>
-                  <a:srgbClr val="002060"/>
-                </a:solidFill>
-                <a:latin typeface="Consolas" panose="020B0609020204030204" pitchFamily="49" charset="0"/>
-              </a:rPr>
-              <a:t>Evaluación del modelo</a:t>
-            </a:r>
-          </a:p>
-          <a:p>
-            <a:pPr marL="457200" indent="-457200">
-              <a:buFontTx/>
-              <a:buAutoNum type="arabicPeriod"/>
-            </a:pPr>
-            <a:r>
-              <a:rPr lang="es-ES" sz="2400" b="0" dirty="0">
-                <a:solidFill>
-                  <a:srgbClr val="002060"/>
-                </a:solidFill>
-                <a:effectLst/>
-                <a:latin typeface="Consolas" panose="020B0609020204030204" pitchFamily="49" charset="0"/>
-              </a:rPr>
-              <a:t>An</a:t>
-            </a:r>
-            <a:r>
-              <a:rPr lang="es-ES" sz="2400" dirty="0">
-                <a:solidFill>
-                  <a:srgbClr val="002060"/>
-                </a:solidFill>
-                <a:latin typeface="Consolas" panose="020B0609020204030204" pitchFamily="49" charset="0"/>
-              </a:rPr>
-              <a:t>álisis de las </a:t>
-            </a:r>
-            <a:r>
-              <a:rPr lang="es-ES" sz="2400" dirty="0" err="1">
-                <a:solidFill>
-                  <a:srgbClr val="002060"/>
-                </a:solidFill>
-                <a:latin typeface="Consolas" panose="020B0609020204030204" pitchFamily="49" charset="0"/>
-              </a:rPr>
-              <a:t>prediciones</a:t>
-            </a:r>
-            <a:endParaRPr lang="es-ES" sz="2400" dirty="0">
-              <a:solidFill>
-                <a:srgbClr val="002060"/>
-              </a:solidFill>
-              <a:latin typeface="Consolas" panose="020B0609020204030204" pitchFamily="49" charset="0"/>
-            </a:endParaRPr>
-          </a:p>
-          <a:p>
-            <a:pPr marL="457200" indent="-457200">
-              <a:buFontTx/>
-              <a:buAutoNum type="arabicPeriod"/>
-            </a:pPr>
-            <a:r>
-              <a:rPr lang="es-ES" sz="2400" b="0" dirty="0">
-                <a:solidFill>
-                  <a:srgbClr val="002060"/>
-                </a:solidFill>
-                <a:effectLst/>
-                <a:latin typeface="Consolas" panose="020B0609020204030204" pitchFamily="49" charset="0"/>
-              </a:rPr>
-              <a:t>Extra</a:t>
-            </a:r>
-          </a:p>
-          <a:p>
-            <a:pPr marL="457200" indent="-457200">
-              <a:buAutoNum type="arabicPeriod"/>
-            </a:pPr>
             <a:endParaRPr lang="es-ES" sz="2400" b="0" dirty="0">
               <a:solidFill>
                 <a:srgbClr val="CCCCCC"/>
@@ -14059,25 +14107,7 @@
                 </a:solidFill>
                 <a:latin typeface="Consolas" panose="020B0609020204030204" pitchFamily="49" charset="0"/>
               </a:rPr>
-              <a:t>Se observa también que la categoría creada muebles, no tiene prácticamente correlación con el precio y </a:t>
-            </a:r>
-            <a:r>
-              <a:rPr lang="es-ES" sz="1800" dirty="0" err="1">
-                <a:solidFill>
-                  <a:schemeClr val="bg1"/>
-                </a:solidFill>
-                <a:latin typeface="Consolas" panose="020B0609020204030204" pitchFamily="49" charset="0"/>
-              </a:rPr>
-              <a:t>viedo</a:t>
-            </a:r>
-            <a:r>
-              <a:rPr lang="es-ES" sz="1800" dirty="0">
-                <a:solidFill>
-                  <a:schemeClr val="bg1"/>
-                </a:solidFill>
-                <a:latin typeface="Consolas" panose="020B0609020204030204" pitchFamily="49" charset="0"/>
-              </a:rPr>
-              <a:t> la cantidad de registros que hay sin determinar, no será incluida en nuestra </a:t>
+              <a:t>Se observa también que la categoría creada muebles, no tiene prácticamente correlación con el precio y viendo la cantidad de registros que hay sin determinar, no será incluida en nuestra </a:t>
             </a:r>
             <a:r>
               <a:rPr lang="es-ES" sz="1800" dirty="0" err="1">
